--- a/BEST FIRST SEARCH.pptx
+++ b/BEST FIRST SEARCH.pptx
@@ -3468,15 +3468,7 @@
                   <a:schemeClr val="bg1"/>
                 </a:solidFill>
               </a:rPr>
-              <a:t>Search</a:t>
-            </a:r>
-            <a:r>
-              <a:rPr lang="x-none" altLang="en-US" sz="1600">
-                <a:solidFill>
-                  <a:schemeClr val="bg1"/>
-                </a:solidFill>
-              </a:rPr>
-              <a:t>,</a:t>
+              <a:t>Search,</a:t>
             </a:r>
             <a:r>
               <a:rPr lang="en-US" sz="1600">
@@ -3860,7 +3852,7 @@
                   <a:schemeClr val="bg1"/>
                 </a:solidFill>
               </a:rPr>
-              <a:t>dimanah h(n) adalah esttimasi biaya </a:t>
+              <a:t>dimana h(n) adalah esttimasi biaya </a:t>
             </a:r>
             <a:endParaRPr lang="x-none" altLang="en-US">
               <a:solidFill>
@@ -3925,7 +3917,7 @@
                   <a:schemeClr val="bg1"/>
                 </a:solidFill>
               </a:rPr>
-              <a:t>IMPLEMENTASI ALGORITMA BFS</a:t>
+              <a:t>ALGORITMA BFS</a:t>
             </a:r>
             <a:endParaRPr lang="x-none" altLang="en-US" sz="2800">
               <a:solidFill>
